--- a/manuscripts/RTP_Demo.pptx
+++ b/manuscripts/RTP_Demo.pptx
@@ -5,9 +5,10 @@
     <p:sldMasterId id="2147483712" r:id="rId1"/>
   </p:sldMasterIdLst>
   <p:sldIdLst>
-    <p:sldId id="256" r:id="rId2"/>
-    <p:sldId id="257" r:id="rId3"/>
-    <p:sldId id="258" r:id="rId4"/>
+    <p:sldId id="257" r:id="rId2"/>
+    <p:sldId id="259" r:id="rId3"/>
+    <p:sldId id="256" r:id="rId4"/>
+    <p:sldId id="258" r:id="rId5"/>
   </p:sldIdLst>
   <p:sldSz cx="12192000" cy="6858000"/>
   <p:notesSz cx="6858000" cy="9144000"/>
@@ -106,6 +107,11 @@
       </a:defRPr>
     </a:lvl9pPr>
   </p:defaultTextStyle>
+  <p:extLst>
+    <p:ext uri="{EFAFB233-063F-42B5-8137-9DF3F51BA10A}">
+      <p15:sldGuideLst xmlns:p15="http://schemas.microsoft.com/office/powerpoint/2012/main"/>
+    </p:ext>
+  </p:extLst>
 </p:presentation>
 </file>
 
@@ -10083,6 +10089,256 @@
 <file path=ppt/slides/slide1.xml><?xml version="1.0" encoding="utf-8"?>
 <p:sld xmlns:a="http://schemas.openxmlformats.org/drawingml/2006/main" xmlns:r="http://schemas.openxmlformats.org/officeDocument/2006/relationships" xmlns:p="http://schemas.openxmlformats.org/presentationml/2006/main">
   <p:cSld>
+    <p:spTree>
+      <p:nvGrpSpPr>
+        <p:cNvPr id="1" name=""/>
+        <p:cNvGrpSpPr/>
+        <p:nvPr/>
+      </p:nvGrpSpPr>
+      <p:grpSpPr>
+        <a:xfrm>
+          <a:off x="0" y="0"/>
+          <a:ext cx="0" cy="0"/>
+          <a:chOff x="0" y="0"/>
+          <a:chExt cx="0" cy="0"/>
+        </a:xfrm>
+      </p:grpSpPr>
+      <p:sp>
+        <p:nvSpPr>
+          <p:cNvPr id="2" name="Titre 1">
+            <a:extLst>
+              <a:ext uri="{FF2B5EF4-FFF2-40B4-BE49-F238E27FC236}">
+                <a16:creationId xmlns:a16="http://schemas.microsoft.com/office/drawing/2014/main" id="{EFC0B1F7-7448-2651-2B10-BCA072954C74}"/>
+              </a:ext>
+            </a:extLst>
+          </p:cNvPr>
+          <p:cNvSpPr>
+            <a:spLocks noGrp="1"/>
+          </p:cNvSpPr>
+          <p:nvPr>
+            <p:ph type="title"/>
+          </p:nvPr>
+        </p:nvSpPr>
+        <p:spPr/>
+        <p:txBody>
+          <a:bodyPr/>
+          <a:lstStyle/>
+          <a:p>
+            <a:endParaRPr lang="fr-FR"/>
+          </a:p>
+        </p:txBody>
+      </p:sp>
+      <p:sp>
+        <p:nvSpPr>
+          <p:cNvPr id="3" name="Espace réservé du contenu 2">
+            <a:extLst>
+              <a:ext uri="{FF2B5EF4-FFF2-40B4-BE49-F238E27FC236}">
+                <a16:creationId xmlns:a16="http://schemas.microsoft.com/office/drawing/2014/main" id="{46949C80-2422-F7AA-79AB-9D66AACA7311}"/>
+              </a:ext>
+            </a:extLst>
+          </p:cNvPr>
+          <p:cNvSpPr>
+            <a:spLocks noGrp="1"/>
+          </p:cNvSpPr>
+          <p:nvPr>
+            <p:ph idx="1"/>
+          </p:nvPr>
+        </p:nvSpPr>
+        <p:spPr/>
+        <p:txBody>
+          <a:bodyPr/>
+          <a:lstStyle/>
+          <a:p>
+            <a:endParaRPr lang="fr-FR" dirty="0"/>
+          </a:p>
+        </p:txBody>
+      </p:sp>
+      <p:pic>
+        <p:nvPicPr>
+          <p:cNvPr id="4" name="Image 3">
+            <a:extLst>
+              <a:ext uri="{FF2B5EF4-FFF2-40B4-BE49-F238E27FC236}">
+                <a16:creationId xmlns:a16="http://schemas.microsoft.com/office/drawing/2014/main" id="{2DC2DEFA-4D47-54D8-F0FB-458BA5BDAE06}"/>
+              </a:ext>
+            </a:extLst>
+          </p:cNvPr>
+          <p:cNvPicPr>
+            <a:picLocks noChangeAspect="1"/>
+          </p:cNvPicPr>
+          <p:nvPr/>
+        </p:nvPicPr>
+        <p:blipFill>
+          <a:blip r:embed="rId2"/>
+          <a:stretch>
+            <a:fillRect/>
+          </a:stretch>
+        </p:blipFill>
+        <p:spPr>
+          <a:xfrm>
+            <a:off x="0" y="0"/>
+            <a:ext cx="8417855" cy="4896539"/>
+          </a:xfrm>
+          <a:prstGeom prst="rect">
+            <a:avLst/>
+          </a:prstGeom>
+        </p:spPr>
+      </p:pic>
+      <p:pic>
+        <p:nvPicPr>
+          <p:cNvPr id="5" name="Image 4">
+            <a:extLst>
+              <a:ext uri="{FF2B5EF4-FFF2-40B4-BE49-F238E27FC236}">
+                <a16:creationId xmlns:a16="http://schemas.microsoft.com/office/drawing/2014/main" id="{6517D536-1AA3-0FC2-C280-E8197B050718}"/>
+              </a:ext>
+            </a:extLst>
+          </p:cNvPr>
+          <p:cNvPicPr>
+            <a:picLocks noChangeAspect="1"/>
+          </p:cNvPicPr>
+          <p:nvPr/>
+        </p:nvPicPr>
+        <p:blipFill>
+          <a:blip r:embed="rId3"/>
+          <a:stretch>
+            <a:fillRect/>
+          </a:stretch>
+        </p:blipFill>
+        <p:spPr>
+          <a:xfrm>
+            <a:off x="4853727" y="3107939"/>
+            <a:ext cx="7338273" cy="3750061"/>
+          </a:xfrm>
+          <a:prstGeom prst="rect">
+            <a:avLst/>
+          </a:prstGeom>
+        </p:spPr>
+      </p:pic>
+    </p:spTree>
+    <p:extLst>
+      <p:ext uri="{BB962C8B-B14F-4D97-AF65-F5344CB8AC3E}">
+        <p14:creationId xmlns:p14="http://schemas.microsoft.com/office/powerpoint/2010/main" val="3530174533"/>
+      </p:ext>
+    </p:extLst>
+  </p:cSld>
+  <p:clrMapOvr>
+    <a:masterClrMapping/>
+  </p:clrMapOvr>
+</p:sld>
+</file>
+
+<file path=ppt/slides/slide2.xml><?xml version="1.0" encoding="utf-8"?>
+<p:sld xmlns:a="http://schemas.openxmlformats.org/drawingml/2006/main" xmlns:r="http://schemas.openxmlformats.org/officeDocument/2006/relationships" xmlns:p="http://schemas.openxmlformats.org/presentationml/2006/main">
+  <p:cSld>
+    <p:spTree>
+      <p:nvGrpSpPr>
+        <p:cNvPr id="1" name=""/>
+        <p:cNvGrpSpPr/>
+        <p:nvPr/>
+      </p:nvGrpSpPr>
+      <p:grpSpPr>
+        <a:xfrm>
+          <a:off x="0" y="0"/>
+          <a:ext cx="0" cy="0"/>
+          <a:chOff x="0" y="0"/>
+          <a:chExt cx="0" cy="0"/>
+        </a:xfrm>
+      </p:grpSpPr>
+      <p:sp>
+        <p:nvSpPr>
+          <p:cNvPr id="2" name="Titre 1">
+            <a:extLst>
+              <a:ext uri="{FF2B5EF4-FFF2-40B4-BE49-F238E27FC236}">
+                <a16:creationId xmlns:a16="http://schemas.microsoft.com/office/drawing/2014/main" id="{406C079B-E6CD-AB4C-05A9-3FAD1472116E}"/>
+              </a:ext>
+            </a:extLst>
+          </p:cNvPr>
+          <p:cNvSpPr>
+            <a:spLocks noGrp="1"/>
+          </p:cNvSpPr>
+          <p:nvPr>
+            <p:ph type="title"/>
+          </p:nvPr>
+        </p:nvSpPr>
+        <p:spPr/>
+        <p:txBody>
+          <a:bodyPr/>
+          <a:lstStyle/>
+          <a:p>
+            <a:endParaRPr lang="fr-FR"/>
+          </a:p>
+        </p:txBody>
+      </p:sp>
+      <p:sp>
+        <p:nvSpPr>
+          <p:cNvPr id="3" name="Espace réservé du contenu 2">
+            <a:extLst>
+              <a:ext uri="{FF2B5EF4-FFF2-40B4-BE49-F238E27FC236}">
+                <a16:creationId xmlns:a16="http://schemas.microsoft.com/office/drawing/2014/main" id="{11AFB895-11DD-A577-6ADD-399ED29E3931}"/>
+              </a:ext>
+            </a:extLst>
+          </p:cNvPr>
+          <p:cNvSpPr>
+            <a:spLocks noGrp="1"/>
+          </p:cNvSpPr>
+          <p:nvPr>
+            <p:ph idx="1"/>
+          </p:nvPr>
+        </p:nvSpPr>
+        <p:spPr/>
+        <p:txBody>
+          <a:bodyPr/>
+          <a:lstStyle/>
+          <a:p>
+            <a:endParaRPr lang="fr-FR"/>
+          </a:p>
+        </p:txBody>
+      </p:sp>
+      <p:pic>
+        <p:nvPicPr>
+          <p:cNvPr id="4" name="Image 3">
+            <a:extLst>
+              <a:ext uri="{FF2B5EF4-FFF2-40B4-BE49-F238E27FC236}">
+                <a16:creationId xmlns:a16="http://schemas.microsoft.com/office/drawing/2014/main" id="{E07775DC-E4B7-6021-7E53-BE88DCB34B2C}"/>
+              </a:ext>
+            </a:extLst>
+          </p:cNvPr>
+          <p:cNvPicPr>
+            <a:picLocks noChangeAspect="1"/>
+          </p:cNvPicPr>
+          <p:nvPr/>
+        </p:nvPicPr>
+        <p:blipFill>
+          <a:blip r:embed="rId2"/>
+          <a:stretch>
+            <a:fillRect/>
+          </a:stretch>
+        </p:blipFill>
+        <p:spPr>
+          <a:xfrm>
+            <a:off x="2051576" y="137897"/>
+            <a:ext cx="7926262" cy="6613632"/>
+          </a:xfrm>
+          <a:prstGeom prst="rect">
+            <a:avLst/>
+          </a:prstGeom>
+        </p:spPr>
+      </p:pic>
+    </p:spTree>
+    <p:extLst>
+      <p:ext uri="{BB962C8B-B14F-4D97-AF65-F5344CB8AC3E}">
+        <p14:creationId xmlns:p14="http://schemas.microsoft.com/office/powerpoint/2010/main" val="2995971004"/>
+      </p:ext>
+    </p:extLst>
+  </p:cSld>
+  <p:clrMapOvr>
+    <a:masterClrMapping/>
+  </p:clrMapOvr>
+</p:sld>
+</file>
+
+<file path=ppt/slides/slide3.xml><?xml version="1.0" encoding="utf-8"?>
+<p:sld xmlns:a="http://schemas.openxmlformats.org/drawingml/2006/main" xmlns:r="http://schemas.openxmlformats.org/officeDocument/2006/relationships" xmlns:p="http://schemas.openxmlformats.org/presentationml/2006/main">
+  <p:cSld>
     <p:bg>
       <p:bgPr>
         <a:solidFill>
@@ -10565,7 +10821,7 @@
         </p:blipFill>
         <p:spPr>
           <a:xfrm>
-            <a:off x="1467187" y="126591"/>
+            <a:off x="1294864" y="187870"/>
             <a:ext cx="9019999" cy="6604816"/>
           </a:xfrm>
           <a:prstGeom prst="rect">
@@ -10586,147 +10842,7 @@
 </p:sld>
 </file>
 
-<file path=ppt/slides/slide2.xml><?xml version="1.0" encoding="utf-8"?>
-<p:sld xmlns:a="http://schemas.openxmlformats.org/drawingml/2006/main" xmlns:r="http://schemas.openxmlformats.org/officeDocument/2006/relationships" xmlns:p="http://schemas.openxmlformats.org/presentationml/2006/main">
-  <p:cSld>
-    <p:spTree>
-      <p:nvGrpSpPr>
-        <p:cNvPr id="1" name=""/>
-        <p:cNvGrpSpPr/>
-        <p:nvPr/>
-      </p:nvGrpSpPr>
-      <p:grpSpPr>
-        <a:xfrm>
-          <a:off x="0" y="0"/>
-          <a:ext cx="0" cy="0"/>
-          <a:chOff x="0" y="0"/>
-          <a:chExt cx="0" cy="0"/>
-        </a:xfrm>
-      </p:grpSpPr>
-      <p:sp>
-        <p:nvSpPr>
-          <p:cNvPr id="2" name="Titre 1">
-            <a:extLst>
-              <a:ext uri="{FF2B5EF4-FFF2-40B4-BE49-F238E27FC236}">
-                <a16:creationId xmlns:a16="http://schemas.microsoft.com/office/drawing/2014/main" id="{EFC0B1F7-7448-2651-2B10-BCA072954C74}"/>
-              </a:ext>
-            </a:extLst>
-          </p:cNvPr>
-          <p:cNvSpPr>
-            <a:spLocks noGrp="1"/>
-          </p:cNvSpPr>
-          <p:nvPr>
-            <p:ph type="title"/>
-          </p:nvPr>
-        </p:nvSpPr>
-        <p:spPr/>
-        <p:txBody>
-          <a:bodyPr/>
-          <a:lstStyle/>
-          <a:p>
-            <a:endParaRPr lang="fr-FR"/>
-          </a:p>
-        </p:txBody>
-      </p:sp>
-      <p:sp>
-        <p:nvSpPr>
-          <p:cNvPr id="3" name="Espace réservé du contenu 2">
-            <a:extLst>
-              <a:ext uri="{FF2B5EF4-FFF2-40B4-BE49-F238E27FC236}">
-                <a16:creationId xmlns:a16="http://schemas.microsoft.com/office/drawing/2014/main" id="{46949C80-2422-F7AA-79AB-9D66AACA7311}"/>
-              </a:ext>
-            </a:extLst>
-          </p:cNvPr>
-          <p:cNvSpPr>
-            <a:spLocks noGrp="1"/>
-          </p:cNvSpPr>
-          <p:nvPr>
-            <p:ph idx="1"/>
-          </p:nvPr>
-        </p:nvSpPr>
-        <p:spPr/>
-        <p:txBody>
-          <a:bodyPr/>
-          <a:lstStyle/>
-          <a:p>
-            <a:endParaRPr lang="fr-FR" dirty="0"/>
-          </a:p>
-        </p:txBody>
-      </p:sp>
-      <p:pic>
-        <p:nvPicPr>
-          <p:cNvPr id="4" name="Image 3">
-            <a:extLst>
-              <a:ext uri="{FF2B5EF4-FFF2-40B4-BE49-F238E27FC236}">
-                <a16:creationId xmlns:a16="http://schemas.microsoft.com/office/drawing/2014/main" id="{2DC2DEFA-4D47-54D8-F0FB-458BA5BDAE06}"/>
-              </a:ext>
-            </a:extLst>
-          </p:cNvPr>
-          <p:cNvPicPr>
-            <a:picLocks noChangeAspect="1"/>
-          </p:cNvPicPr>
-          <p:nvPr/>
-        </p:nvPicPr>
-        <p:blipFill>
-          <a:blip r:embed="rId2"/>
-          <a:stretch>
-            <a:fillRect/>
-          </a:stretch>
-        </p:blipFill>
-        <p:spPr>
-          <a:xfrm>
-            <a:off x="0" y="0"/>
-            <a:ext cx="8417855" cy="4896539"/>
-          </a:xfrm>
-          <a:prstGeom prst="rect">
-            <a:avLst/>
-          </a:prstGeom>
-        </p:spPr>
-      </p:pic>
-      <p:pic>
-        <p:nvPicPr>
-          <p:cNvPr id="5" name="Image 4">
-            <a:extLst>
-              <a:ext uri="{FF2B5EF4-FFF2-40B4-BE49-F238E27FC236}">
-                <a16:creationId xmlns:a16="http://schemas.microsoft.com/office/drawing/2014/main" id="{6517D536-1AA3-0FC2-C280-E8197B050718}"/>
-              </a:ext>
-            </a:extLst>
-          </p:cNvPr>
-          <p:cNvPicPr>
-            <a:picLocks noChangeAspect="1"/>
-          </p:cNvPicPr>
-          <p:nvPr/>
-        </p:nvPicPr>
-        <p:blipFill>
-          <a:blip r:embed="rId3"/>
-          <a:stretch>
-            <a:fillRect/>
-          </a:stretch>
-        </p:blipFill>
-        <p:spPr>
-          <a:xfrm>
-            <a:off x="4853727" y="3107939"/>
-            <a:ext cx="7338273" cy="3750061"/>
-          </a:xfrm>
-          <a:prstGeom prst="rect">
-            <a:avLst/>
-          </a:prstGeom>
-        </p:spPr>
-      </p:pic>
-    </p:spTree>
-    <p:extLst>
-      <p:ext uri="{BB962C8B-B14F-4D97-AF65-F5344CB8AC3E}">
-        <p14:creationId xmlns:p14="http://schemas.microsoft.com/office/powerpoint/2010/main" val="3530174533"/>
-      </p:ext>
-    </p:extLst>
-  </p:cSld>
-  <p:clrMapOvr>
-    <a:masterClrMapping/>
-  </p:clrMapOvr>
-</p:sld>
-</file>
-
-<file path=ppt/slides/slide3.xml><?xml version="1.0" encoding="utf-8"?>
+<file path=ppt/slides/slide4.xml><?xml version="1.0" encoding="utf-8"?>
 <p:sld xmlns:a="http://schemas.openxmlformats.org/drawingml/2006/main" xmlns:r="http://schemas.openxmlformats.org/officeDocument/2006/relationships" xmlns:p="http://schemas.openxmlformats.org/presentationml/2006/main">
   <p:cSld>
     <p:spTree>

--- a/manuscripts/RTP_Demo.pptx
+++ b/manuscripts/RTP_Demo.pptx
@@ -9,6 +9,7 @@
     <p:sldId id="259" r:id="rId3"/>
     <p:sldId id="256" r:id="rId4"/>
     <p:sldId id="258" r:id="rId5"/>
+    <p:sldId id="260" r:id="rId6"/>
   </p:sldIdLst>
   <p:sldSz cx="12192000" cy="6858000"/>
   <p:notesSz cx="6858000" cy="9144000"/>
@@ -11012,6 +11013,116 @@
 </p:sld>
 </file>
 
+<file path=ppt/slides/slide5.xml><?xml version="1.0" encoding="utf-8"?>
+<p:sld xmlns:a="http://schemas.openxmlformats.org/drawingml/2006/main" xmlns:r="http://schemas.openxmlformats.org/officeDocument/2006/relationships" xmlns:p="http://schemas.openxmlformats.org/presentationml/2006/main">
+  <p:cSld>
+    <p:spTree>
+      <p:nvGrpSpPr>
+        <p:cNvPr id="1" name=""/>
+        <p:cNvGrpSpPr/>
+        <p:nvPr/>
+      </p:nvGrpSpPr>
+      <p:grpSpPr>
+        <a:xfrm>
+          <a:off x="0" y="0"/>
+          <a:ext cx="0" cy="0"/>
+          <a:chOff x="0" y="0"/>
+          <a:chExt cx="0" cy="0"/>
+        </a:xfrm>
+      </p:grpSpPr>
+      <p:sp>
+        <p:nvSpPr>
+          <p:cNvPr id="2" name="Titre 1">
+            <a:extLst>
+              <a:ext uri="{FF2B5EF4-FFF2-40B4-BE49-F238E27FC236}">
+                <a16:creationId xmlns:a16="http://schemas.microsoft.com/office/drawing/2014/main" id="{A9DA2E3E-DFD3-79C1-4BC7-CA00D274C7A2}"/>
+              </a:ext>
+            </a:extLst>
+          </p:cNvPr>
+          <p:cNvSpPr>
+            <a:spLocks noGrp="1"/>
+          </p:cNvSpPr>
+          <p:nvPr>
+            <p:ph type="title"/>
+          </p:nvPr>
+        </p:nvSpPr>
+        <p:spPr/>
+        <p:txBody>
+          <a:bodyPr/>
+          <a:lstStyle/>
+          <a:p>
+            <a:endParaRPr lang="fr-FR"/>
+          </a:p>
+        </p:txBody>
+      </p:sp>
+      <p:sp>
+        <p:nvSpPr>
+          <p:cNvPr id="3" name="Espace réservé du contenu 2">
+            <a:extLst>
+              <a:ext uri="{FF2B5EF4-FFF2-40B4-BE49-F238E27FC236}">
+                <a16:creationId xmlns:a16="http://schemas.microsoft.com/office/drawing/2014/main" id="{6EF11265-0B05-45EA-388F-02CDDFF69CB7}"/>
+              </a:ext>
+            </a:extLst>
+          </p:cNvPr>
+          <p:cNvSpPr>
+            <a:spLocks noGrp="1"/>
+          </p:cNvSpPr>
+          <p:nvPr>
+            <p:ph idx="1"/>
+          </p:nvPr>
+        </p:nvSpPr>
+        <p:spPr/>
+        <p:txBody>
+          <a:bodyPr/>
+          <a:lstStyle/>
+          <a:p>
+            <a:endParaRPr lang="fr-FR"/>
+          </a:p>
+        </p:txBody>
+      </p:sp>
+      <p:pic>
+        <p:nvPicPr>
+          <p:cNvPr id="4" name="Image 3">
+            <a:extLst>
+              <a:ext uri="{FF2B5EF4-FFF2-40B4-BE49-F238E27FC236}">
+                <a16:creationId xmlns:a16="http://schemas.microsoft.com/office/drawing/2014/main" id="{E0B10A17-B5A1-4C2B-913C-CB559DD4AB79}"/>
+              </a:ext>
+            </a:extLst>
+          </p:cNvPr>
+          <p:cNvPicPr>
+            <a:picLocks noChangeAspect="1"/>
+          </p:cNvPicPr>
+          <p:nvPr/>
+        </p:nvPicPr>
+        <p:blipFill>
+          <a:blip r:embed="rId2"/>
+          <a:stretch>
+            <a:fillRect/>
+          </a:stretch>
+        </p:blipFill>
+        <p:spPr>
+          <a:xfrm>
+            <a:off x="169576" y="223293"/>
+            <a:ext cx="11471560" cy="5814252"/>
+          </a:xfrm>
+          <a:prstGeom prst="rect">
+            <a:avLst/>
+          </a:prstGeom>
+        </p:spPr>
+      </p:pic>
+    </p:spTree>
+    <p:extLst>
+      <p:ext uri="{BB962C8B-B14F-4D97-AF65-F5344CB8AC3E}">
+        <p14:creationId xmlns:p14="http://schemas.microsoft.com/office/powerpoint/2010/main" val="2694798829"/>
+      </p:ext>
+    </p:extLst>
+  </p:cSld>
+  <p:clrMapOvr>
+    <a:masterClrMapping/>
+  </p:clrMapOvr>
+</p:sld>
+</file>
+
 <file path=ppt/theme/theme1.xml><?xml version="1.0" encoding="utf-8"?>
 <a:theme xmlns:a="http://schemas.openxmlformats.org/drawingml/2006/main" name="GlowVTI">
   <a:themeElements>
